--- a/Wurfelschlangen/Beispiele.pptx
+++ b/Wurfelschlangen/Beispiele.pptx
@@ -9,7 +9,7 @@
     <p:sldId id="257" r:id="rId3"/>
   </p:sldIdLst>
   <p:sldSz cx="9906000" cy="6858000" type="A4"/>
-  <p:notesSz cx="6858000" cy="9144000"/>
+  <p:notesSz cx="6889750" cy="10021888"/>
   <p:defaultTextStyle>
     <a:defPPr>
       <a:defRPr lang="en-US"/>
@@ -105,6 +105,11 @@
       </a:defRPr>
     </a:lvl9pPr>
   </p:defaultTextStyle>
+  <p:extLst>
+    <p:ext uri="{EFAFB233-063F-42B5-8137-9DF3F51BA10A}">
+      <p15:sldGuideLst xmlns:p15="http://schemas.microsoft.com/office/powerpoint/2012/main"/>
+    </p:ext>
+  </p:extLst>
 </p:presentation>
 </file>
 
@@ -239,7 +244,7 @@
           <a:p>
             <a:fld id="{8F951DFB-87EF-4B2F-BCCD-B0EBE43DFAC8}" type="datetimeFigureOut">
               <a:rPr lang="de-AT" smtClean="0"/>
-              <a:t>18.03.2020</a:t>
+              <a:t>19.03.2020</a:t>
             </a:fld>
             <a:endParaRPr lang="de-AT"/>
           </a:p>
@@ -409,7 +414,7 @@
           <a:p>
             <a:fld id="{8F951DFB-87EF-4B2F-BCCD-B0EBE43DFAC8}" type="datetimeFigureOut">
               <a:rPr lang="de-AT" smtClean="0"/>
-              <a:t>18.03.2020</a:t>
+              <a:t>19.03.2020</a:t>
             </a:fld>
             <a:endParaRPr lang="de-AT"/>
           </a:p>
@@ -589,7 +594,7 @@
           <a:p>
             <a:fld id="{8F951DFB-87EF-4B2F-BCCD-B0EBE43DFAC8}" type="datetimeFigureOut">
               <a:rPr lang="de-AT" smtClean="0"/>
-              <a:t>18.03.2020</a:t>
+              <a:t>19.03.2020</a:t>
             </a:fld>
             <a:endParaRPr lang="de-AT"/>
           </a:p>
@@ -759,7 +764,7 @@
           <a:p>
             <a:fld id="{8F951DFB-87EF-4B2F-BCCD-B0EBE43DFAC8}" type="datetimeFigureOut">
               <a:rPr lang="de-AT" smtClean="0"/>
-              <a:t>18.03.2020</a:t>
+              <a:t>19.03.2020</a:t>
             </a:fld>
             <a:endParaRPr lang="de-AT"/>
           </a:p>
@@ -1003,7 +1008,7 @@
           <a:p>
             <a:fld id="{8F951DFB-87EF-4B2F-BCCD-B0EBE43DFAC8}" type="datetimeFigureOut">
               <a:rPr lang="de-AT" smtClean="0"/>
-              <a:t>18.03.2020</a:t>
+              <a:t>19.03.2020</a:t>
             </a:fld>
             <a:endParaRPr lang="de-AT"/>
           </a:p>
@@ -1235,7 +1240,7 @@
           <a:p>
             <a:fld id="{8F951DFB-87EF-4B2F-BCCD-B0EBE43DFAC8}" type="datetimeFigureOut">
               <a:rPr lang="de-AT" smtClean="0"/>
-              <a:t>18.03.2020</a:t>
+              <a:t>19.03.2020</a:t>
             </a:fld>
             <a:endParaRPr lang="de-AT"/>
           </a:p>
@@ -1602,7 +1607,7 @@
           <a:p>
             <a:fld id="{8F951DFB-87EF-4B2F-BCCD-B0EBE43DFAC8}" type="datetimeFigureOut">
               <a:rPr lang="de-AT" smtClean="0"/>
-              <a:t>18.03.2020</a:t>
+              <a:t>19.03.2020</a:t>
             </a:fld>
             <a:endParaRPr lang="de-AT"/>
           </a:p>
@@ -1720,7 +1725,7 @@
           <a:p>
             <a:fld id="{8F951DFB-87EF-4B2F-BCCD-B0EBE43DFAC8}" type="datetimeFigureOut">
               <a:rPr lang="de-AT" smtClean="0"/>
-              <a:t>18.03.2020</a:t>
+              <a:t>19.03.2020</a:t>
             </a:fld>
             <a:endParaRPr lang="de-AT"/>
           </a:p>
@@ -1815,7 +1820,7 @@
           <a:p>
             <a:fld id="{8F951DFB-87EF-4B2F-BCCD-B0EBE43DFAC8}" type="datetimeFigureOut">
               <a:rPr lang="de-AT" smtClean="0"/>
-              <a:t>18.03.2020</a:t>
+              <a:t>19.03.2020</a:t>
             </a:fld>
             <a:endParaRPr lang="de-AT"/>
           </a:p>
@@ -2092,7 +2097,7 @@
           <a:p>
             <a:fld id="{8F951DFB-87EF-4B2F-BCCD-B0EBE43DFAC8}" type="datetimeFigureOut">
               <a:rPr lang="de-AT" smtClean="0"/>
-              <a:t>18.03.2020</a:t>
+              <a:t>19.03.2020</a:t>
             </a:fld>
             <a:endParaRPr lang="de-AT"/>
           </a:p>
@@ -2349,7 +2354,7 @@
           <a:p>
             <a:fld id="{8F951DFB-87EF-4B2F-BCCD-B0EBE43DFAC8}" type="datetimeFigureOut">
               <a:rPr lang="de-AT" smtClean="0"/>
-              <a:t>18.03.2020</a:t>
+              <a:t>19.03.2020</a:t>
             </a:fld>
             <a:endParaRPr lang="de-AT"/>
           </a:p>
@@ -2562,7 +2567,7 @@
           <a:p>
             <a:fld id="{8F951DFB-87EF-4B2F-BCCD-B0EBE43DFAC8}" type="datetimeFigureOut">
               <a:rPr lang="de-AT" smtClean="0"/>
-              <a:t>18.03.2020</a:t>
+              <a:t>19.03.2020</a:t>
             </a:fld>
             <a:endParaRPr lang="de-AT"/>
           </a:p>
@@ -3623,6 +3628,438 @@
           </a:p>
         </p:txBody>
       </p:sp>
+      <p:pic>
+        <p:nvPicPr>
+          <p:cNvPr id="3" name="Grafik 2">
+            <a:extLst>
+              <a:ext uri="{FF2B5EF4-FFF2-40B4-BE49-F238E27FC236}">
+                <a16:creationId xmlns:a16="http://schemas.microsoft.com/office/drawing/2014/main" id="{DC867DCB-1EAD-4164-A0C8-3CF2C74C2BA8}"/>
+              </a:ext>
+            </a:extLst>
+          </p:cNvPr>
+          <p:cNvPicPr>
+            <a:picLocks noChangeAspect="1"/>
+          </p:cNvPicPr>
+          <p:nvPr/>
+        </p:nvPicPr>
+        <p:blipFill>
+          <a:blip r:embed="rId14">
+            <a:extLst>
+              <a:ext uri="{28A0092B-C50C-407E-A947-70E740481C1C}">
+                <a14:useLocalDpi xmlns:a14="http://schemas.microsoft.com/office/drawing/2010/main" val="0"/>
+              </a:ext>
+            </a:extLst>
+          </a:blip>
+          <a:stretch>
+            <a:fillRect/>
+          </a:stretch>
+        </p:blipFill>
+        <p:spPr>
+          <a:xfrm>
+            <a:off x="1395990" y="493136"/>
+            <a:ext cx="720000" cy="720000"/>
+          </a:xfrm>
+          <a:prstGeom prst="rect">
+            <a:avLst/>
+          </a:prstGeom>
+        </p:spPr>
+      </p:pic>
+      <p:pic>
+        <p:nvPicPr>
+          <p:cNvPr id="7" name="Grafik 6" descr="Ein Bild, das Objekt, Zeichnung enthält.&#10;&#10;Automatisch generierte Beschreibung">
+            <a:extLst>
+              <a:ext uri="{FF2B5EF4-FFF2-40B4-BE49-F238E27FC236}">
+                <a16:creationId xmlns:a16="http://schemas.microsoft.com/office/drawing/2014/main" id="{230B53A0-3327-42A0-92AF-2B8DAD840232}"/>
+              </a:ext>
+            </a:extLst>
+          </p:cNvPr>
+          <p:cNvPicPr>
+            <a:picLocks noChangeAspect="1"/>
+          </p:cNvPicPr>
+          <p:nvPr/>
+        </p:nvPicPr>
+        <p:blipFill>
+          <a:blip r:embed="rId15">
+            <a:extLst>
+              <a:ext uri="{28A0092B-C50C-407E-A947-70E740481C1C}">
+                <a14:useLocalDpi xmlns:a14="http://schemas.microsoft.com/office/drawing/2010/main" val="0"/>
+              </a:ext>
+            </a:extLst>
+          </a:blip>
+          <a:stretch>
+            <a:fillRect/>
+          </a:stretch>
+        </p:blipFill>
+        <p:spPr>
+          <a:xfrm>
+            <a:off x="3533670" y="461994"/>
+            <a:ext cx="720000" cy="720000"/>
+          </a:xfrm>
+          <a:prstGeom prst="rect">
+            <a:avLst/>
+          </a:prstGeom>
+        </p:spPr>
+      </p:pic>
+      <p:pic>
+        <p:nvPicPr>
+          <p:cNvPr id="11" name="Grafik 10" descr="Ein Bild, das Zeichnung enthält.&#10;&#10;Automatisch generierte Beschreibung">
+            <a:extLst>
+              <a:ext uri="{FF2B5EF4-FFF2-40B4-BE49-F238E27FC236}">
+                <a16:creationId xmlns:a16="http://schemas.microsoft.com/office/drawing/2014/main" id="{1EF9B55A-34E0-4E86-A60C-37EEF9C1EEDE}"/>
+              </a:ext>
+            </a:extLst>
+          </p:cNvPr>
+          <p:cNvPicPr>
+            <a:picLocks noChangeAspect="1"/>
+          </p:cNvPicPr>
+          <p:nvPr/>
+        </p:nvPicPr>
+        <p:blipFill>
+          <a:blip r:embed="rId16">
+            <a:extLst>
+              <a:ext uri="{28A0092B-C50C-407E-A947-70E740481C1C}">
+                <a14:useLocalDpi xmlns:a14="http://schemas.microsoft.com/office/drawing/2010/main" val="0"/>
+              </a:ext>
+            </a:extLst>
+          </a:blip>
+          <a:stretch>
+            <a:fillRect/>
+          </a:stretch>
+        </p:blipFill>
+        <p:spPr>
+          <a:xfrm>
+            <a:off x="5519487" y="461994"/>
+            <a:ext cx="720000" cy="720000"/>
+          </a:xfrm>
+          <a:prstGeom prst="rect">
+            <a:avLst/>
+          </a:prstGeom>
+        </p:spPr>
+      </p:pic>
+      <p:pic>
+        <p:nvPicPr>
+          <p:cNvPr id="26" name="Grafik 25" descr="Ein Bild, das Zeichnung enthält.&#10;&#10;Automatisch generierte Beschreibung">
+            <a:extLst>
+              <a:ext uri="{FF2B5EF4-FFF2-40B4-BE49-F238E27FC236}">
+                <a16:creationId xmlns:a16="http://schemas.microsoft.com/office/drawing/2014/main" id="{A50EFEEA-0335-4869-8077-72C857895283}"/>
+              </a:ext>
+            </a:extLst>
+          </p:cNvPr>
+          <p:cNvPicPr>
+            <a:picLocks noChangeAspect="1"/>
+          </p:cNvPicPr>
+          <p:nvPr/>
+        </p:nvPicPr>
+        <p:blipFill>
+          <a:blip r:embed="rId17">
+            <a:extLst>
+              <a:ext uri="{28A0092B-C50C-407E-A947-70E740481C1C}">
+                <a14:useLocalDpi xmlns:a14="http://schemas.microsoft.com/office/drawing/2010/main" val="0"/>
+              </a:ext>
+            </a:extLst>
+          </a:blip>
+          <a:stretch>
+            <a:fillRect/>
+          </a:stretch>
+        </p:blipFill>
+        <p:spPr>
+          <a:xfrm>
+            <a:off x="7622150" y="492855"/>
+            <a:ext cx="720000" cy="720000"/>
+          </a:xfrm>
+          <a:prstGeom prst="rect">
+            <a:avLst/>
+          </a:prstGeom>
+        </p:spPr>
+      </p:pic>
+      <p:pic>
+        <p:nvPicPr>
+          <p:cNvPr id="28" name="Grafik 27" descr="Ein Bild, das Zeichnung enthält.&#10;&#10;Automatisch generierte Beschreibung">
+            <a:extLst>
+              <a:ext uri="{FF2B5EF4-FFF2-40B4-BE49-F238E27FC236}">
+                <a16:creationId xmlns:a16="http://schemas.microsoft.com/office/drawing/2014/main" id="{05D08F37-5A01-4816-976F-DA0F11C8851A}"/>
+              </a:ext>
+            </a:extLst>
+          </p:cNvPr>
+          <p:cNvPicPr>
+            <a:picLocks noChangeAspect="1"/>
+          </p:cNvPicPr>
+          <p:nvPr/>
+        </p:nvPicPr>
+        <p:blipFill>
+          <a:blip r:embed="rId18">
+            <a:extLst>
+              <a:ext uri="{28A0092B-C50C-407E-A947-70E740481C1C}">
+                <a14:useLocalDpi xmlns:a14="http://schemas.microsoft.com/office/drawing/2010/main" val="0"/>
+              </a:ext>
+            </a:extLst>
+          </a:blip>
+          <a:stretch>
+            <a:fillRect/>
+          </a:stretch>
+        </p:blipFill>
+        <p:spPr>
+          <a:xfrm>
+            <a:off x="1373672" y="2542352"/>
+            <a:ext cx="720000" cy="720000"/>
+          </a:xfrm>
+          <a:prstGeom prst="rect">
+            <a:avLst/>
+          </a:prstGeom>
+        </p:spPr>
+      </p:pic>
+      <p:pic>
+        <p:nvPicPr>
+          <p:cNvPr id="30" name="Grafik 29" descr="Ein Bild, das Objekt, Zeichnung enthält.&#10;&#10;Automatisch generierte Beschreibung">
+            <a:extLst>
+              <a:ext uri="{FF2B5EF4-FFF2-40B4-BE49-F238E27FC236}">
+                <a16:creationId xmlns:a16="http://schemas.microsoft.com/office/drawing/2014/main" id="{CE6E07EB-CED6-4569-A0CC-754A89925B48}"/>
+              </a:ext>
+            </a:extLst>
+          </p:cNvPr>
+          <p:cNvPicPr>
+            <a:picLocks noChangeAspect="1"/>
+          </p:cNvPicPr>
+          <p:nvPr/>
+        </p:nvPicPr>
+        <p:blipFill>
+          <a:blip r:embed="rId19">
+            <a:extLst>
+              <a:ext uri="{28A0092B-C50C-407E-A947-70E740481C1C}">
+                <a14:useLocalDpi xmlns:a14="http://schemas.microsoft.com/office/drawing/2010/main" val="0"/>
+              </a:ext>
+            </a:extLst>
+          </a:blip>
+          <a:stretch>
+            <a:fillRect/>
+          </a:stretch>
+        </p:blipFill>
+        <p:spPr>
+          <a:xfrm>
+            <a:off x="3485251" y="2509526"/>
+            <a:ext cx="720000" cy="720000"/>
+          </a:xfrm>
+          <a:prstGeom prst="rect">
+            <a:avLst/>
+          </a:prstGeom>
+        </p:spPr>
+      </p:pic>
+      <p:pic>
+        <p:nvPicPr>
+          <p:cNvPr id="32" name="Grafik 31" descr="Ein Bild, das Zeichnung enthält.&#10;&#10;Automatisch generierte Beschreibung">
+            <a:extLst>
+              <a:ext uri="{FF2B5EF4-FFF2-40B4-BE49-F238E27FC236}">
+                <a16:creationId xmlns:a16="http://schemas.microsoft.com/office/drawing/2014/main" id="{B93A14DD-48C0-43AC-A54B-A2254AC3E1BE}"/>
+              </a:ext>
+            </a:extLst>
+          </p:cNvPr>
+          <p:cNvPicPr>
+            <a:picLocks noChangeAspect="1"/>
+          </p:cNvPicPr>
+          <p:nvPr/>
+        </p:nvPicPr>
+        <p:blipFill>
+          <a:blip r:embed="rId20">
+            <a:extLst>
+              <a:ext uri="{28A0092B-C50C-407E-A947-70E740481C1C}">
+                <a14:useLocalDpi xmlns:a14="http://schemas.microsoft.com/office/drawing/2010/main" val="0"/>
+              </a:ext>
+            </a:extLst>
+          </a:blip>
+          <a:stretch>
+            <a:fillRect/>
+          </a:stretch>
+        </p:blipFill>
+        <p:spPr>
+          <a:xfrm>
+            <a:off x="5577911" y="2509526"/>
+            <a:ext cx="720000" cy="720000"/>
+          </a:xfrm>
+          <a:prstGeom prst="rect">
+            <a:avLst/>
+          </a:prstGeom>
+        </p:spPr>
+      </p:pic>
+      <p:pic>
+        <p:nvPicPr>
+          <p:cNvPr id="34" name="Grafik 33" descr="Ein Bild, das Zeichnung, Uhr enthält.&#10;&#10;Automatisch generierte Beschreibung">
+            <a:extLst>
+              <a:ext uri="{FF2B5EF4-FFF2-40B4-BE49-F238E27FC236}">
+                <a16:creationId xmlns:a16="http://schemas.microsoft.com/office/drawing/2014/main" id="{EA68FF10-B643-4056-BC04-84A2B2A2E032}"/>
+              </a:ext>
+            </a:extLst>
+          </p:cNvPr>
+          <p:cNvPicPr>
+            <a:picLocks noChangeAspect="1"/>
+          </p:cNvPicPr>
+          <p:nvPr/>
+        </p:nvPicPr>
+        <p:blipFill>
+          <a:blip r:embed="rId21">
+            <a:extLst>
+              <a:ext uri="{28A0092B-C50C-407E-A947-70E740481C1C}">
+                <a14:useLocalDpi xmlns:a14="http://schemas.microsoft.com/office/drawing/2010/main" val="0"/>
+              </a:ext>
+            </a:extLst>
+          </a:blip>
+          <a:stretch>
+            <a:fillRect/>
+          </a:stretch>
+        </p:blipFill>
+        <p:spPr>
+          <a:xfrm>
+            <a:off x="7622150" y="2509526"/>
+            <a:ext cx="720000" cy="720000"/>
+          </a:xfrm>
+          <a:prstGeom prst="rect">
+            <a:avLst/>
+          </a:prstGeom>
+        </p:spPr>
+      </p:pic>
+      <p:pic>
+        <p:nvPicPr>
+          <p:cNvPr id="36" name="Grafik 35" descr="Ein Bild, das Zeichnung enthält.&#10;&#10;Automatisch generierte Beschreibung">
+            <a:extLst>
+              <a:ext uri="{FF2B5EF4-FFF2-40B4-BE49-F238E27FC236}">
+                <a16:creationId xmlns:a16="http://schemas.microsoft.com/office/drawing/2014/main" id="{57B28E08-21D5-4F52-BBAD-BA6059E60D91}"/>
+              </a:ext>
+            </a:extLst>
+          </p:cNvPr>
+          <p:cNvPicPr>
+            <a:picLocks noChangeAspect="1"/>
+          </p:cNvPicPr>
+          <p:nvPr/>
+        </p:nvPicPr>
+        <p:blipFill>
+          <a:blip r:embed="rId22">
+            <a:extLst>
+              <a:ext uri="{28A0092B-C50C-407E-A947-70E740481C1C}">
+                <a14:useLocalDpi xmlns:a14="http://schemas.microsoft.com/office/drawing/2010/main" val="0"/>
+              </a:ext>
+            </a:extLst>
+          </a:blip>
+          <a:stretch>
+            <a:fillRect/>
+          </a:stretch>
+        </p:blipFill>
+        <p:spPr>
+          <a:xfrm>
+            <a:off x="1395990" y="4629854"/>
+            <a:ext cx="720000" cy="720000"/>
+          </a:xfrm>
+          <a:prstGeom prst="rect">
+            <a:avLst/>
+          </a:prstGeom>
+        </p:spPr>
+      </p:pic>
+      <p:pic>
+        <p:nvPicPr>
+          <p:cNvPr id="38" name="Grafik 37" descr="Ein Bild, das Zeichnung enthält.&#10;&#10;Automatisch generierte Beschreibung">
+            <a:extLst>
+              <a:ext uri="{FF2B5EF4-FFF2-40B4-BE49-F238E27FC236}">
+                <a16:creationId xmlns:a16="http://schemas.microsoft.com/office/drawing/2014/main" id="{B217BA75-BB5C-42A3-A9D8-7C6B5BA3C102}"/>
+              </a:ext>
+            </a:extLst>
+          </p:cNvPr>
+          <p:cNvPicPr>
+            <a:picLocks noChangeAspect="1"/>
+          </p:cNvPicPr>
+          <p:nvPr/>
+        </p:nvPicPr>
+        <p:blipFill>
+          <a:blip r:embed="rId23">
+            <a:extLst>
+              <a:ext uri="{28A0092B-C50C-407E-A947-70E740481C1C}">
+                <a14:useLocalDpi xmlns:a14="http://schemas.microsoft.com/office/drawing/2010/main" val="0"/>
+              </a:ext>
+            </a:extLst>
+          </a:blip>
+          <a:stretch>
+            <a:fillRect/>
+          </a:stretch>
+        </p:blipFill>
+        <p:spPr>
+          <a:xfrm>
+            <a:off x="3432790" y="4628465"/>
+            <a:ext cx="720000" cy="720000"/>
+          </a:xfrm>
+          <a:prstGeom prst="rect">
+            <a:avLst/>
+          </a:prstGeom>
+        </p:spPr>
+      </p:pic>
+      <p:pic>
+        <p:nvPicPr>
+          <p:cNvPr id="40" name="Grafik 39" descr="Ein Bild, das Objekt, Zeichnung enthält.&#10;&#10;Automatisch generierte Beschreibung">
+            <a:extLst>
+              <a:ext uri="{FF2B5EF4-FFF2-40B4-BE49-F238E27FC236}">
+                <a16:creationId xmlns:a16="http://schemas.microsoft.com/office/drawing/2014/main" id="{5E6536F2-5F5D-4516-AD1F-9C9B66254367}"/>
+              </a:ext>
+            </a:extLst>
+          </p:cNvPr>
+          <p:cNvPicPr>
+            <a:picLocks noChangeAspect="1"/>
+          </p:cNvPicPr>
+          <p:nvPr/>
+        </p:nvPicPr>
+        <p:blipFill>
+          <a:blip r:embed="rId24">
+            <a:extLst>
+              <a:ext uri="{28A0092B-C50C-407E-A947-70E740481C1C}">
+                <a14:useLocalDpi xmlns:a14="http://schemas.microsoft.com/office/drawing/2010/main" val="0"/>
+              </a:ext>
+            </a:extLst>
+          </a:blip>
+          <a:stretch>
+            <a:fillRect/>
+          </a:stretch>
+        </p:blipFill>
+        <p:spPr>
+          <a:xfrm>
+            <a:off x="5486560" y="4628465"/>
+            <a:ext cx="720000" cy="720000"/>
+          </a:xfrm>
+          <a:prstGeom prst="rect">
+            <a:avLst/>
+          </a:prstGeom>
+        </p:spPr>
+      </p:pic>
+      <p:pic>
+        <p:nvPicPr>
+          <p:cNvPr id="42" name="Grafik 41" descr="Ein Bild, das Zeichnung enthält.&#10;&#10;Automatisch generierte Beschreibung">
+            <a:extLst>
+              <a:ext uri="{FF2B5EF4-FFF2-40B4-BE49-F238E27FC236}">
+                <a16:creationId xmlns:a16="http://schemas.microsoft.com/office/drawing/2014/main" id="{7094CB41-3143-4D7E-8F4C-8D2C9236294F}"/>
+              </a:ext>
+            </a:extLst>
+          </p:cNvPr>
+          <p:cNvPicPr>
+            <a:picLocks noChangeAspect="1"/>
+          </p:cNvPicPr>
+          <p:nvPr/>
+        </p:nvPicPr>
+        <p:blipFill>
+          <a:blip r:embed="rId25">
+            <a:extLst>
+              <a:ext uri="{28A0092B-C50C-407E-A947-70E740481C1C}">
+                <a14:useLocalDpi xmlns:a14="http://schemas.microsoft.com/office/drawing/2010/main" val="0"/>
+              </a:ext>
+            </a:extLst>
+          </a:blip>
+          <a:stretch>
+            <a:fillRect/>
+          </a:stretch>
+        </p:blipFill>
+        <p:spPr>
+          <a:xfrm>
+            <a:off x="7500181" y="4628465"/>
+            <a:ext cx="720000" cy="720000"/>
+          </a:xfrm>
+          <a:prstGeom prst="rect">
+            <a:avLst/>
+          </a:prstGeom>
+        </p:spPr>
+      </p:pic>
     </p:spTree>
     <p:extLst>
       <p:ext uri="{BB962C8B-B14F-4D97-AF65-F5344CB8AC3E}">
@@ -3835,7 +4272,7 @@
         </p:blipFill>
         <p:spPr>
           <a:xfrm>
-            <a:off x="7866392" y="709526"/>
+            <a:off x="8034172" y="709526"/>
             <a:ext cx="1800000" cy="1800000"/>
           </a:xfrm>
           <a:prstGeom prst="rect">
@@ -4065,7 +4502,7 @@
         </p:blipFill>
         <p:spPr>
           <a:xfrm>
-            <a:off x="7866392" y="2777113"/>
+            <a:off x="8034172" y="2777113"/>
             <a:ext cx="1800000" cy="1800000"/>
           </a:xfrm>
           <a:prstGeom prst="rect">
@@ -4112,6 +4549,294 @@
           </a:p>
         </p:txBody>
       </p:sp>
+      <p:pic>
+        <p:nvPicPr>
+          <p:cNvPr id="3" name="Grafik 2" descr="Ein Bild, das Objekt, Zeichnung enthält.&#10;&#10;Automatisch generierte Beschreibung">
+            <a:extLst>
+              <a:ext uri="{FF2B5EF4-FFF2-40B4-BE49-F238E27FC236}">
+                <a16:creationId xmlns:a16="http://schemas.microsoft.com/office/drawing/2014/main" id="{DEE2B252-7104-4D35-BD05-74DA757894BF}"/>
+              </a:ext>
+            </a:extLst>
+          </p:cNvPr>
+          <p:cNvPicPr>
+            <a:picLocks noChangeAspect="1"/>
+          </p:cNvPicPr>
+          <p:nvPr/>
+        </p:nvPicPr>
+        <p:blipFill>
+          <a:blip r:embed="rId10">
+            <a:extLst>
+              <a:ext uri="{28A0092B-C50C-407E-A947-70E740481C1C}">
+                <a14:useLocalDpi xmlns:a14="http://schemas.microsoft.com/office/drawing/2010/main" val="0"/>
+              </a:ext>
+            </a:extLst>
+          </a:blip>
+          <a:stretch>
+            <a:fillRect/>
+          </a:stretch>
+        </p:blipFill>
+        <p:spPr>
+          <a:xfrm>
+            <a:off x="1171523" y="492855"/>
+            <a:ext cx="720000" cy="720000"/>
+          </a:xfrm>
+          <a:prstGeom prst="rect">
+            <a:avLst/>
+          </a:prstGeom>
+        </p:spPr>
+      </p:pic>
+      <p:pic>
+        <p:nvPicPr>
+          <p:cNvPr id="7" name="Grafik 6" descr="Ein Bild, das Objekt, Zeichnung enthält.&#10;&#10;Automatisch generierte Beschreibung">
+            <a:extLst>
+              <a:ext uri="{FF2B5EF4-FFF2-40B4-BE49-F238E27FC236}">
+                <a16:creationId xmlns:a16="http://schemas.microsoft.com/office/drawing/2014/main" id="{9C2303FC-69E8-4CDC-8038-8FDC7DB49F22}"/>
+              </a:ext>
+            </a:extLst>
+          </p:cNvPr>
+          <p:cNvPicPr>
+            <a:picLocks noChangeAspect="1"/>
+          </p:cNvPicPr>
+          <p:nvPr/>
+        </p:nvPicPr>
+        <p:blipFill>
+          <a:blip r:embed="rId11">
+            <a:extLst>
+              <a:ext uri="{28A0092B-C50C-407E-A947-70E740481C1C}">
+                <a14:useLocalDpi xmlns:a14="http://schemas.microsoft.com/office/drawing/2010/main" val="0"/>
+              </a:ext>
+            </a:extLst>
+          </a:blip>
+          <a:stretch>
+            <a:fillRect/>
+          </a:stretch>
+        </p:blipFill>
+        <p:spPr>
+          <a:xfrm>
+            <a:off x="3485251" y="492855"/>
+            <a:ext cx="720000" cy="720000"/>
+          </a:xfrm>
+          <a:prstGeom prst="rect">
+            <a:avLst/>
+          </a:prstGeom>
+        </p:spPr>
+      </p:pic>
+      <p:pic>
+        <p:nvPicPr>
+          <p:cNvPr id="11" name="Grafik 10" descr="Ein Bild, das Zeichnung enthält.&#10;&#10;Automatisch generierte Beschreibung">
+            <a:extLst>
+              <a:ext uri="{FF2B5EF4-FFF2-40B4-BE49-F238E27FC236}">
+                <a16:creationId xmlns:a16="http://schemas.microsoft.com/office/drawing/2014/main" id="{5BFC2929-B484-4987-B8FF-016124D665EE}"/>
+              </a:ext>
+            </a:extLst>
+          </p:cNvPr>
+          <p:cNvPicPr>
+            <a:picLocks noChangeAspect="1"/>
+          </p:cNvPicPr>
+          <p:nvPr/>
+        </p:nvPicPr>
+        <p:blipFill>
+          <a:blip r:embed="rId12">
+            <a:extLst>
+              <a:ext uri="{28A0092B-C50C-407E-A947-70E740481C1C}">
+                <a14:useLocalDpi xmlns:a14="http://schemas.microsoft.com/office/drawing/2010/main" val="0"/>
+              </a:ext>
+            </a:extLst>
+          </a:blip>
+          <a:stretch>
+            <a:fillRect/>
+          </a:stretch>
+        </p:blipFill>
+        <p:spPr>
+          <a:xfrm>
+            <a:off x="5520031" y="492855"/>
+            <a:ext cx="720000" cy="720000"/>
+          </a:xfrm>
+          <a:prstGeom prst="rect">
+            <a:avLst/>
+          </a:prstGeom>
+        </p:spPr>
+      </p:pic>
+      <p:pic>
+        <p:nvPicPr>
+          <p:cNvPr id="20" name="Grafik 19" descr="Ein Bild, das Zeichnung enthält.&#10;&#10;Automatisch generierte Beschreibung">
+            <a:extLst>
+              <a:ext uri="{FF2B5EF4-FFF2-40B4-BE49-F238E27FC236}">
+                <a16:creationId xmlns:a16="http://schemas.microsoft.com/office/drawing/2014/main" id="{A5735105-0FA5-4FB8-9307-DEEE49CEDB32}"/>
+              </a:ext>
+            </a:extLst>
+          </p:cNvPr>
+          <p:cNvPicPr>
+            <a:picLocks noChangeAspect="1"/>
+          </p:cNvPicPr>
+          <p:nvPr/>
+        </p:nvPicPr>
+        <p:blipFill>
+          <a:blip r:embed="rId13">
+            <a:extLst>
+              <a:ext uri="{28A0092B-C50C-407E-A947-70E740481C1C}">
+                <a14:useLocalDpi xmlns:a14="http://schemas.microsoft.com/office/drawing/2010/main" val="0"/>
+              </a:ext>
+            </a:extLst>
+          </a:blip>
+          <a:stretch>
+            <a:fillRect/>
+          </a:stretch>
+        </p:blipFill>
+        <p:spPr>
+          <a:xfrm>
+            <a:off x="7472836" y="492716"/>
+            <a:ext cx="720000" cy="720000"/>
+          </a:xfrm>
+          <a:prstGeom prst="rect">
+            <a:avLst/>
+          </a:prstGeom>
+        </p:spPr>
+      </p:pic>
+      <p:pic>
+        <p:nvPicPr>
+          <p:cNvPr id="22" name="Grafik 21" descr="Ein Bild, das Objekt, Zeichnung enthält.&#10;&#10;Automatisch generierte Beschreibung">
+            <a:extLst>
+              <a:ext uri="{FF2B5EF4-FFF2-40B4-BE49-F238E27FC236}">
+                <a16:creationId xmlns:a16="http://schemas.microsoft.com/office/drawing/2014/main" id="{FE624350-B3B4-4894-B8D5-A39B29650675}"/>
+              </a:ext>
+            </a:extLst>
+          </p:cNvPr>
+          <p:cNvPicPr>
+            <a:picLocks noChangeAspect="1"/>
+          </p:cNvPicPr>
+          <p:nvPr/>
+        </p:nvPicPr>
+        <p:blipFill>
+          <a:blip r:embed="rId14">
+            <a:extLst>
+              <a:ext uri="{28A0092B-C50C-407E-A947-70E740481C1C}">
+                <a14:useLocalDpi xmlns:a14="http://schemas.microsoft.com/office/drawing/2010/main" val="0"/>
+              </a:ext>
+            </a:extLst>
+          </a:blip>
+          <a:stretch>
+            <a:fillRect/>
+          </a:stretch>
+        </p:blipFill>
+        <p:spPr>
+          <a:xfrm>
+            <a:off x="1129431" y="2592476"/>
+            <a:ext cx="720000" cy="720000"/>
+          </a:xfrm>
+          <a:prstGeom prst="rect">
+            <a:avLst/>
+          </a:prstGeom>
+        </p:spPr>
+      </p:pic>
+      <p:pic>
+        <p:nvPicPr>
+          <p:cNvPr id="24" name="Grafik 23" descr="Ein Bild, das Objekt, Uhr enthält.&#10;&#10;Automatisch generierte Beschreibung">
+            <a:extLst>
+              <a:ext uri="{FF2B5EF4-FFF2-40B4-BE49-F238E27FC236}">
+                <a16:creationId xmlns:a16="http://schemas.microsoft.com/office/drawing/2014/main" id="{BC757C5C-FA80-4086-B32F-7239B5E54C43}"/>
+              </a:ext>
+            </a:extLst>
+          </p:cNvPr>
+          <p:cNvPicPr>
+            <a:picLocks noChangeAspect="1"/>
+          </p:cNvPicPr>
+          <p:nvPr/>
+        </p:nvPicPr>
+        <p:blipFill>
+          <a:blip r:embed="rId15">
+            <a:extLst>
+              <a:ext uri="{28A0092B-C50C-407E-A947-70E740481C1C}">
+                <a14:useLocalDpi xmlns:a14="http://schemas.microsoft.com/office/drawing/2010/main" val="0"/>
+              </a:ext>
+            </a:extLst>
+          </a:blip>
+          <a:stretch>
+            <a:fillRect/>
+          </a:stretch>
+        </p:blipFill>
+        <p:spPr>
+          <a:xfrm>
+            <a:off x="3384355" y="2592476"/>
+            <a:ext cx="720000" cy="720000"/>
+          </a:xfrm>
+          <a:prstGeom prst="rect">
+            <a:avLst/>
+          </a:prstGeom>
+        </p:spPr>
+      </p:pic>
+      <p:pic>
+        <p:nvPicPr>
+          <p:cNvPr id="27" name="Grafik 26" descr="Ein Bild, das Zeichnung enthält.&#10;&#10;Automatisch generierte Beschreibung">
+            <a:extLst>
+              <a:ext uri="{FF2B5EF4-FFF2-40B4-BE49-F238E27FC236}">
+                <a16:creationId xmlns:a16="http://schemas.microsoft.com/office/drawing/2014/main" id="{D746DC28-FEE5-4C89-9685-EFB8C7BF9DFD}"/>
+              </a:ext>
+            </a:extLst>
+          </p:cNvPr>
+          <p:cNvPicPr>
+            <a:picLocks noChangeAspect="1"/>
+          </p:cNvPicPr>
+          <p:nvPr/>
+        </p:nvPicPr>
+        <p:blipFill>
+          <a:blip r:embed="rId16">
+            <a:extLst>
+              <a:ext uri="{28A0092B-C50C-407E-A947-70E740481C1C}">
+                <a14:useLocalDpi xmlns:a14="http://schemas.microsoft.com/office/drawing/2010/main" val="0"/>
+              </a:ext>
+            </a:extLst>
+          </a:blip>
+          <a:stretch>
+            <a:fillRect/>
+          </a:stretch>
+        </p:blipFill>
+        <p:spPr>
+          <a:xfrm>
+            <a:off x="5261732" y="2592476"/>
+            <a:ext cx="720000" cy="720000"/>
+          </a:xfrm>
+          <a:prstGeom prst="rect">
+            <a:avLst/>
+          </a:prstGeom>
+        </p:spPr>
+      </p:pic>
+      <p:pic>
+        <p:nvPicPr>
+          <p:cNvPr id="29" name="Grafik 28" descr="Ein Bild, das Zeichnung enthält.&#10;&#10;Automatisch generierte Beschreibung">
+            <a:extLst>
+              <a:ext uri="{FF2B5EF4-FFF2-40B4-BE49-F238E27FC236}">
+                <a16:creationId xmlns:a16="http://schemas.microsoft.com/office/drawing/2014/main" id="{7A81310C-6914-490D-B751-6C494FBD02CA}"/>
+              </a:ext>
+            </a:extLst>
+          </p:cNvPr>
+          <p:cNvPicPr>
+            <a:picLocks noChangeAspect="1"/>
+          </p:cNvPicPr>
+          <p:nvPr/>
+        </p:nvPicPr>
+        <p:blipFill>
+          <a:blip r:embed="rId17">
+            <a:extLst>
+              <a:ext uri="{28A0092B-C50C-407E-A947-70E740481C1C}">
+                <a14:useLocalDpi xmlns:a14="http://schemas.microsoft.com/office/drawing/2010/main" val="0"/>
+              </a:ext>
+            </a:extLst>
+          </a:blip>
+          <a:stretch>
+            <a:fillRect/>
+          </a:stretch>
+        </p:blipFill>
+        <p:spPr>
+          <a:xfrm>
+            <a:off x="7585219" y="2592476"/>
+            <a:ext cx="720000" cy="720000"/>
+          </a:xfrm>
+          <a:prstGeom prst="rect">
+            <a:avLst/>
+          </a:prstGeom>
+        </p:spPr>
+      </p:pic>
     </p:spTree>
     <p:extLst>
       <p:ext uri="{BB962C8B-B14F-4D97-AF65-F5344CB8AC3E}">

--- a/Wurfelschlangen/Beispiele.pptx
+++ b/Wurfelschlangen/Beispiele.pptx
@@ -244,7 +244,7 @@
           <a:p>
             <a:fld id="{8F951DFB-87EF-4B2F-BCCD-B0EBE43DFAC8}" type="datetimeFigureOut">
               <a:rPr lang="de-AT" smtClean="0"/>
-              <a:t>19.03.2020</a:t>
+              <a:t>28.03.2020</a:t>
             </a:fld>
             <a:endParaRPr lang="de-AT"/>
           </a:p>
@@ -414,7 +414,7 @@
           <a:p>
             <a:fld id="{8F951DFB-87EF-4B2F-BCCD-B0EBE43DFAC8}" type="datetimeFigureOut">
               <a:rPr lang="de-AT" smtClean="0"/>
-              <a:t>19.03.2020</a:t>
+              <a:t>28.03.2020</a:t>
             </a:fld>
             <a:endParaRPr lang="de-AT"/>
           </a:p>
@@ -594,7 +594,7 @@
           <a:p>
             <a:fld id="{8F951DFB-87EF-4B2F-BCCD-B0EBE43DFAC8}" type="datetimeFigureOut">
               <a:rPr lang="de-AT" smtClean="0"/>
-              <a:t>19.03.2020</a:t>
+              <a:t>28.03.2020</a:t>
             </a:fld>
             <a:endParaRPr lang="de-AT"/>
           </a:p>
@@ -764,7 +764,7 @@
           <a:p>
             <a:fld id="{8F951DFB-87EF-4B2F-BCCD-B0EBE43DFAC8}" type="datetimeFigureOut">
               <a:rPr lang="de-AT" smtClean="0"/>
-              <a:t>19.03.2020</a:t>
+              <a:t>28.03.2020</a:t>
             </a:fld>
             <a:endParaRPr lang="de-AT"/>
           </a:p>
@@ -1008,7 +1008,7 @@
           <a:p>
             <a:fld id="{8F951DFB-87EF-4B2F-BCCD-B0EBE43DFAC8}" type="datetimeFigureOut">
               <a:rPr lang="de-AT" smtClean="0"/>
-              <a:t>19.03.2020</a:t>
+              <a:t>28.03.2020</a:t>
             </a:fld>
             <a:endParaRPr lang="de-AT"/>
           </a:p>
@@ -1240,7 +1240,7 @@
           <a:p>
             <a:fld id="{8F951DFB-87EF-4B2F-BCCD-B0EBE43DFAC8}" type="datetimeFigureOut">
               <a:rPr lang="de-AT" smtClean="0"/>
-              <a:t>19.03.2020</a:t>
+              <a:t>28.03.2020</a:t>
             </a:fld>
             <a:endParaRPr lang="de-AT"/>
           </a:p>
@@ -1607,7 +1607,7 @@
           <a:p>
             <a:fld id="{8F951DFB-87EF-4B2F-BCCD-B0EBE43DFAC8}" type="datetimeFigureOut">
               <a:rPr lang="de-AT" smtClean="0"/>
-              <a:t>19.03.2020</a:t>
+              <a:t>28.03.2020</a:t>
             </a:fld>
             <a:endParaRPr lang="de-AT"/>
           </a:p>
@@ -1725,7 +1725,7 @@
           <a:p>
             <a:fld id="{8F951DFB-87EF-4B2F-BCCD-B0EBE43DFAC8}" type="datetimeFigureOut">
               <a:rPr lang="de-AT" smtClean="0"/>
-              <a:t>19.03.2020</a:t>
+              <a:t>28.03.2020</a:t>
             </a:fld>
             <a:endParaRPr lang="de-AT"/>
           </a:p>
@@ -1820,7 +1820,7 @@
           <a:p>
             <a:fld id="{8F951DFB-87EF-4B2F-BCCD-B0EBE43DFAC8}" type="datetimeFigureOut">
               <a:rPr lang="de-AT" smtClean="0"/>
-              <a:t>19.03.2020</a:t>
+              <a:t>28.03.2020</a:t>
             </a:fld>
             <a:endParaRPr lang="de-AT"/>
           </a:p>
@@ -2097,7 +2097,7 @@
           <a:p>
             <a:fld id="{8F951DFB-87EF-4B2F-BCCD-B0EBE43DFAC8}" type="datetimeFigureOut">
               <a:rPr lang="de-AT" smtClean="0"/>
-              <a:t>19.03.2020</a:t>
+              <a:t>28.03.2020</a:t>
             </a:fld>
             <a:endParaRPr lang="de-AT"/>
           </a:p>
@@ -2354,7 +2354,7 @@
           <a:p>
             <a:fld id="{8F951DFB-87EF-4B2F-BCCD-B0EBE43DFAC8}" type="datetimeFigureOut">
               <a:rPr lang="de-AT" smtClean="0"/>
-              <a:t>19.03.2020</a:t>
+              <a:t>28.03.2020</a:t>
             </a:fld>
             <a:endParaRPr lang="de-AT"/>
           </a:p>
@@ -2567,7 +2567,7 @@
           <a:p>
             <a:fld id="{8F951DFB-87EF-4B2F-BCCD-B0EBE43DFAC8}" type="datetimeFigureOut">
               <a:rPr lang="de-AT" smtClean="0"/>
-              <a:t>19.03.2020</a:t>
+              <a:t>28.03.2020</a:t>
             </a:fld>
             <a:endParaRPr lang="de-AT"/>
           </a:p>
@@ -3650,9 +3650,8 @@
               </a:ext>
             </a:extLst>
           </a:blip>
-          <a:stretch>
-            <a:fillRect/>
-          </a:stretch>
+          <a:srcRect/>
+          <a:stretch/>
         </p:blipFill>
         <p:spPr>
           <a:xfrm>
@@ -3666,7 +3665,7 @@
       </p:pic>
       <p:pic>
         <p:nvPicPr>
-          <p:cNvPr id="7" name="Grafik 6" descr="Ein Bild, das Objekt, Zeichnung enthält.&#10;&#10;Automatisch generierte Beschreibung">
+          <p:cNvPr id="7" name="Grafik 6">
             <a:extLst>
               <a:ext uri="{FF2B5EF4-FFF2-40B4-BE49-F238E27FC236}">
                 <a16:creationId xmlns:a16="http://schemas.microsoft.com/office/drawing/2014/main" id="{230B53A0-3327-42A0-92AF-2B8DAD840232}"/>
@@ -3686,9 +3685,8 @@
               </a:ext>
             </a:extLst>
           </a:blip>
-          <a:stretch>
-            <a:fillRect/>
-          </a:stretch>
+          <a:srcRect/>
+          <a:stretch/>
         </p:blipFill>
         <p:spPr>
           <a:xfrm>
@@ -3702,7 +3700,7 @@
       </p:pic>
       <p:pic>
         <p:nvPicPr>
-          <p:cNvPr id="11" name="Grafik 10" descr="Ein Bild, das Zeichnung enthält.&#10;&#10;Automatisch generierte Beschreibung">
+          <p:cNvPr id="11" name="Grafik 10">
             <a:extLst>
               <a:ext uri="{FF2B5EF4-FFF2-40B4-BE49-F238E27FC236}">
                 <a16:creationId xmlns:a16="http://schemas.microsoft.com/office/drawing/2014/main" id="{1EF9B55A-34E0-4E86-A60C-37EEF9C1EEDE}"/>
@@ -3722,9 +3720,8 @@
               </a:ext>
             </a:extLst>
           </a:blip>
-          <a:stretch>
-            <a:fillRect/>
-          </a:stretch>
+          <a:srcRect/>
+          <a:stretch/>
         </p:blipFill>
         <p:spPr>
           <a:xfrm>
@@ -3738,7 +3735,7 @@
       </p:pic>
       <p:pic>
         <p:nvPicPr>
-          <p:cNvPr id="26" name="Grafik 25" descr="Ein Bild, das Zeichnung enthält.&#10;&#10;Automatisch generierte Beschreibung">
+          <p:cNvPr id="26" name="Grafik 25">
             <a:extLst>
               <a:ext uri="{FF2B5EF4-FFF2-40B4-BE49-F238E27FC236}">
                 <a16:creationId xmlns:a16="http://schemas.microsoft.com/office/drawing/2014/main" id="{A50EFEEA-0335-4869-8077-72C857895283}"/>
@@ -3758,9 +3755,8 @@
               </a:ext>
             </a:extLst>
           </a:blip>
-          <a:stretch>
-            <a:fillRect/>
-          </a:stretch>
+          <a:srcRect/>
+          <a:stretch/>
         </p:blipFill>
         <p:spPr>
           <a:xfrm>
@@ -3774,7 +3770,7 @@
       </p:pic>
       <p:pic>
         <p:nvPicPr>
-          <p:cNvPr id="28" name="Grafik 27" descr="Ein Bild, das Zeichnung enthält.&#10;&#10;Automatisch generierte Beschreibung">
+          <p:cNvPr id="28" name="Grafik 27">
             <a:extLst>
               <a:ext uri="{FF2B5EF4-FFF2-40B4-BE49-F238E27FC236}">
                 <a16:creationId xmlns:a16="http://schemas.microsoft.com/office/drawing/2014/main" id="{05D08F37-5A01-4816-976F-DA0F11C8851A}"/>
@@ -3794,9 +3790,8 @@
               </a:ext>
             </a:extLst>
           </a:blip>
-          <a:stretch>
-            <a:fillRect/>
-          </a:stretch>
+          <a:srcRect/>
+          <a:stretch/>
         </p:blipFill>
         <p:spPr>
           <a:xfrm>
@@ -3810,7 +3805,7 @@
       </p:pic>
       <p:pic>
         <p:nvPicPr>
-          <p:cNvPr id="30" name="Grafik 29" descr="Ein Bild, das Objekt, Zeichnung enthält.&#10;&#10;Automatisch generierte Beschreibung">
+          <p:cNvPr id="30" name="Grafik 29">
             <a:extLst>
               <a:ext uri="{FF2B5EF4-FFF2-40B4-BE49-F238E27FC236}">
                 <a16:creationId xmlns:a16="http://schemas.microsoft.com/office/drawing/2014/main" id="{CE6E07EB-CED6-4569-A0CC-754A89925B48}"/>
@@ -3830,9 +3825,8 @@
               </a:ext>
             </a:extLst>
           </a:blip>
-          <a:stretch>
-            <a:fillRect/>
-          </a:stretch>
+          <a:srcRect/>
+          <a:stretch/>
         </p:blipFill>
         <p:spPr>
           <a:xfrm>
@@ -3846,7 +3840,7 @@
       </p:pic>
       <p:pic>
         <p:nvPicPr>
-          <p:cNvPr id="32" name="Grafik 31" descr="Ein Bild, das Zeichnung enthält.&#10;&#10;Automatisch generierte Beschreibung">
+          <p:cNvPr id="32" name="Grafik 31">
             <a:extLst>
               <a:ext uri="{FF2B5EF4-FFF2-40B4-BE49-F238E27FC236}">
                 <a16:creationId xmlns:a16="http://schemas.microsoft.com/office/drawing/2014/main" id="{B93A14DD-48C0-43AC-A54B-A2254AC3E1BE}"/>
@@ -3866,9 +3860,8 @@
               </a:ext>
             </a:extLst>
           </a:blip>
-          <a:stretch>
-            <a:fillRect/>
-          </a:stretch>
+          <a:srcRect/>
+          <a:stretch/>
         </p:blipFill>
         <p:spPr>
           <a:xfrm>
@@ -3882,7 +3875,7 @@
       </p:pic>
       <p:pic>
         <p:nvPicPr>
-          <p:cNvPr id="34" name="Grafik 33" descr="Ein Bild, das Zeichnung, Uhr enthält.&#10;&#10;Automatisch generierte Beschreibung">
+          <p:cNvPr id="34" name="Grafik 33">
             <a:extLst>
               <a:ext uri="{FF2B5EF4-FFF2-40B4-BE49-F238E27FC236}">
                 <a16:creationId xmlns:a16="http://schemas.microsoft.com/office/drawing/2014/main" id="{EA68FF10-B643-4056-BC04-84A2B2A2E032}"/>
@@ -3902,9 +3895,8 @@
               </a:ext>
             </a:extLst>
           </a:blip>
-          <a:stretch>
-            <a:fillRect/>
-          </a:stretch>
+          <a:srcRect/>
+          <a:stretch/>
         </p:blipFill>
         <p:spPr>
           <a:xfrm>
@@ -3918,7 +3910,7 @@
       </p:pic>
       <p:pic>
         <p:nvPicPr>
-          <p:cNvPr id="36" name="Grafik 35" descr="Ein Bild, das Zeichnung enthält.&#10;&#10;Automatisch generierte Beschreibung">
+          <p:cNvPr id="36" name="Grafik 35">
             <a:extLst>
               <a:ext uri="{FF2B5EF4-FFF2-40B4-BE49-F238E27FC236}">
                 <a16:creationId xmlns:a16="http://schemas.microsoft.com/office/drawing/2014/main" id="{57B28E08-21D5-4F52-BBAD-BA6059E60D91}"/>
@@ -3938,9 +3930,8 @@
               </a:ext>
             </a:extLst>
           </a:blip>
-          <a:stretch>
-            <a:fillRect/>
-          </a:stretch>
+          <a:srcRect/>
+          <a:stretch/>
         </p:blipFill>
         <p:spPr>
           <a:xfrm>
@@ -3954,7 +3945,7 @@
       </p:pic>
       <p:pic>
         <p:nvPicPr>
-          <p:cNvPr id="38" name="Grafik 37" descr="Ein Bild, das Zeichnung enthält.&#10;&#10;Automatisch generierte Beschreibung">
+          <p:cNvPr id="38" name="Grafik 37">
             <a:extLst>
               <a:ext uri="{FF2B5EF4-FFF2-40B4-BE49-F238E27FC236}">
                 <a16:creationId xmlns:a16="http://schemas.microsoft.com/office/drawing/2014/main" id="{B217BA75-BB5C-42A3-A9D8-7C6B5BA3C102}"/>
@@ -3974,9 +3965,8 @@
               </a:ext>
             </a:extLst>
           </a:blip>
-          <a:stretch>
-            <a:fillRect/>
-          </a:stretch>
+          <a:srcRect/>
+          <a:stretch/>
         </p:blipFill>
         <p:spPr>
           <a:xfrm>
@@ -3990,7 +3980,7 @@
       </p:pic>
       <p:pic>
         <p:nvPicPr>
-          <p:cNvPr id="40" name="Grafik 39" descr="Ein Bild, das Objekt, Zeichnung enthält.&#10;&#10;Automatisch generierte Beschreibung">
+          <p:cNvPr id="40" name="Grafik 39">
             <a:extLst>
               <a:ext uri="{FF2B5EF4-FFF2-40B4-BE49-F238E27FC236}">
                 <a16:creationId xmlns:a16="http://schemas.microsoft.com/office/drawing/2014/main" id="{5E6536F2-5F5D-4516-AD1F-9C9B66254367}"/>
@@ -4010,9 +4000,8 @@
               </a:ext>
             </a:extLst>
           </a:blip>
-          <a:stretch>
-            <a:fillRect/>
-          </a:stretch>
+          <a:srcRect/>
+          <a:stretch/>
         </p:blipFill>
         <p:spPr>
           <a:xfrm>
@@ -4026,7 +4015,7 @@
       </p:pic>
       <p:pic>
         <p:nvPicPr>
-          <p:cNvPr id="42" name="Grafik 41" descr="Ein Bild, das Zeichnung enthält.&#10;&#10;Automatisch generierte Beschreibung">
+          <p:cNvPr id="42" name="Grafik 41">
             <a:extLst>
               <a:ext uri="{FF2B5EF4-FFF2-40B4-BE49-F238E27FC236}">
                 <a16:creationId xmlns:a16="http://schemas.microsoft.com/office/drawing/2014/main" id="{7094CB41-3143-4D7E-8F4C-8D2C9236294F}"/>
@@ -4046,9 +4035,8 @@
               </a:ext>
             </a:extLst>
           </a:blip>
-          <a:stretch>
-            <a:fillRect/>
-          </a:stretch>
+          <a:srcRect/>
+          <a:stretch/>
         </p:blipFill>
         <p:spPr>
           <a:xfrm>

--- a/Wurfelschlangen/Beispiele.pptx
+++ b/Wurfelschlangen/Beispiele.pptx
@@ -4040,7 +4040,7 @@
         </p:blipFill>
         <p:spPr>
           <a:xfrm>
-            <a:off x="7500181" y="4628465"/>
+            <a:off x="7398569" y="4628465"/>
             <a:ext cx="720000" cy="720000"/>
           </a:xfrm>
           <a:prstGeom prst="rect">
@@ -4539,7 +4539,7 @@
       </p:sp>
       <p:pic>
         <p:nvPicPr>
-          <p:cNvPr id="3" name="Grafik 2" descr="Ein Bild, das Objekt, Zeichnung enthält.&#10;&#10;Automatisch generierte Beschreibung">
+          <p:cNvPr id="3" name="Grafik 2">
             <a:extLst>
               <a:ext uri="{FF2B5EF4-FFF2-40B4-BE49-F238E27FC236}">
                 <a16:creationId xmlns:a16="http://schemas.microsoft.com/office/drawing/2014/main" id="{DEE2B252-7104-4D35-BD05-74DA757894BF}"/>
@@ -4559,9 +4559,8 @@
               </a:ext>
             </a:extLst>
           </a:blip>
-          <a:stretch>
-            <a:fillRect/>
-          </a:stretch>
+          <a:srcRect/>
+          <a:stretch/>
         </p:blipFill>
         <p:spPr>
           <a:xfrm>
@@ -4575,7 +4574,7 @@
       </p:pic>
       <p:pic>
         <p:nvPicPr>
-          <p:cNvPr id="7" name="Grafik 6" descr="Ein Bild, das Objekt, Zeichnung enthält.&#10;&#10;Automatisch generierte Beschreibung">
+          <p:cNvPr id="7" name="Grafik 6">
             <a:extLst>
               <a:ext uri="{FF2B5EF4-FFF2-40B4-BE49-F238E27FC236}">
                 <a16:creationId xmlns:a16="http://schemas.microsoft.com/office/drawing/2014/main" id="{9C2303FC-69E8-4CDC-8038-8FDC7DB49F22}"/>
@@ -4595,9 +4594,8 @@
               </a:ext>
             </a:extLst>
           </a:blip>
-          <a:stretch>
-            <a:fillRect/>
-          </a:stretch>
+          <a:srcRect/>
+          <a:stretch/>
         </p:blipFill>
         <p:spPr>
           <a:xfrm>
@@ -4611,7 +4609,7 @@
       </p:pic>
       <p:pic>
         <p:nvPicPr>
-          <p:cNvPr id="11" name="Grafik 10" descr="Ein Bild, das Zeichnung enthält.&#10;&#10;Automatisch generierte Beschreibung">
+          <p:cNvPr id="11" name="Grafik 10">
             <a:extLst>
               <a:ext uri="{FF2B5EF4-FFF2-40B4-BE49-F238E27FC236}">
                 <a16:creationId xmlns:a16="http://schemas.microsoft.com/office/drawing/2014/main" id="{5BFC2929-B484-4987-B8FF-016124D665EE}"/>
@@ -4631,9 +4629,8 @@
               </a:ext>
             </a:extLst>
           </a:blip>
-          <a:stretch>
-            <a:fillRect/>
-          </a:stretch>
+          <a:srcRect/>
+          <a:stretch/>
         </p:blipFill>
         <p:spPr>
           <a:xfrm>
@@ -4647,7 +4644,7 @@
       </p:pic>
       <p:pic>
         <p:nvPicPr>
-          <p:cNvPr id="20" name="Grafik 19" descr="Ein Bild, das Zeichnung enthält.&#10;&#10;Automatisch generierte Beschreibung">
+          <p:cNvPr id="20" name="Grafik 19">
             <a:extLst>
               <a:ext uri="{FF2B5EF4-FFF2-40B4-BE49-F238E27FC236}">
                 <a16:creationId xmlns:a16="http://schemas.microsoft.com/office/drawing/2014/main" id="{A5735105-0FA5-4FB8-9307-DEEE49CEDB32}"/>
@@ -4667,9 +4664,8 @@
               </a:ext>
             </a:extLst>
           </a:blip>
-          <a:stretch>
-            <a:fillRect/>
-          </a:stretch>
+          <a:srcRect/>
+          <a:stretch/>
         </p:blipFill>
         <p:spPr>
           <a:xfrm>
@@ -4683,7 +4679,7 @@
       </p:pic>
       <p:pic>
         <p:nvPicPr>
-          <p:cNvPr id="22" name="Grafik 21" descr="Ein Bild, das Objekt, Zeichnung enthält.&#10;&#10;Automatisch generierte Beschreibung">
+          <p:cNvPr id="22" name="Grafik 21">
             <a:extLst>
               <a:ext uri="{FF2B5EF4-FFF2-40B4-BE49-F238E27FC236}">
                 <a16:creationId xmlns:a16="http://schemas.microsoft.com/office/drawing/2014/main" id="{FE624350-B3B4-4894-B8D5-A39B29650675}"/>
@@ -4703,9 +4699,8 @@
               </a:ext>
             </a:extLst>
           </a:blip>
-          <a:stretch>
-            <a:fillRect/>
-          </a:stretch>
+          <a:srcRect/>
+          <a:stretch/>
         </p:blipFill>
         <p:spPr>
           <a:xfrm>
@@ -4719,7 +4714,7 @@
       </p:pic>
       <p:pic>
         <p:nvPicPr>
-          <p:cNvPr id="24" name="Grafik 23" descr="Ein Bild, das Objekt, Uhr enthält.&#10;&#10;Automatisch generierte Beschreibung">
+          <p:cNvPr id="24" name="Grafik 23">
             <a:extLst>
               <a:ext uri="{FF2B5EF4-FFF2-40B4-BE49-F238E27FC236}">
                 <a16:creationId xmlns:a16="http://schemas.microsoft.com/office/drawing/2014/main" id="{BC757C5C-FA80-4086-B32F-7239B5E54C43}"/>
@@ -4739,9 +4734,8 @@
               </a:ext>
             </a:extLst>
           </a:blip>
-          <a:stretch>
-            <a:fillRect/>
-          </a:stretch>
+          <a:srcRect/>
+          <a:stretch/>
         </p:blipFill>
         <p:spPr>
           <a:xfrm>
@@ -4755,7 +4749,7 @@
       </p:pic>
       <p:pic>
         <p:nvPicPr>
-          <p:cNvPr id="27" name="Grafik 26" descr="Ein Bild, das Zeichnung enthält.&#10;&#10;Automatisch generierte Beschreibung">
+          <p:cNvPr id="27" name="Grafik 26">
             <a:extLst>
               <a:ext uri="{FF2B5EF4-FFF2-40B4-BE49-F238E27FC236}">
                 <a16:creationId xmlns:a16="http://schemas.microsoft.com/office/drawing/2014/main" id="{D746DC28-FEE5-4C89-9685-EFB8C7BF9DFD}"/>
@@ -4775,13 +4769,12 @@
               </a:ext>
             </a:extLst>
           </a:blip>
-          <a:stretch>
-            <a:fillRect/>
-          </a:stretch>
+          <a:srcRect/>
+          <a:stretch/>
         </p:blipFill>
         <p:spPr>
           <a:xfrm>
-            <a:off x="5261732" y="2592476"/>
+            <a:off x="5306864" y="2592476"/>
             <a:ext cx="720000" cy="720000"/>
           </a:xfrm>
           <a:prstGeom prst="rect">
@@ -4791,7 +4784,7 @@
       </p:pic>
       <p:pic>
         <p:nvPicPr>
-          <p:cNvPr id="29" name="Grafik 28" descr="Ein Bild, das Zeichnung enthält.&#10;&#10;Automatisch generierte Beschreibung">
+          <p:cNvPr id="29" name="Grafik 28">
             <a:extLst>
               <a:ext uri="{FF2B5EF4-FFF2-40B4-BE49-F238E27FC236}">
                 <a16:creationId xmlns:a16="http://schemas.microsoft.com/office/drawing/2014/main" id="{7A81310C-6914-490D-B751-6C494FBD02CA}"/>
@@ -4811,9 +4804,8 @@
               </a:ext>
             </a:extLst>
           </a:blip>
-          <a:stretch>
-            <a:fillRect/>
-          </a:stretch>
+          <a:srcRect/>
+          <a:stretch/>
         </p:blipFill>
         <p:spPr>
           <a:xfrm>
